--- a/pyplot-tutorial.pptx
+++ b/pyplot-tutorial.pptx
@@ -8070,12 +8070,8 @@
           <a:lstStyle/>
           <a:p>
             <a:r>
-              <a:rPr lang="en-US" dirty="0" err="1"/>
-              <a:t>matplotlib.pyplot</a:t>
-            </a:r>
-            <a:r>
               <a:rPr lang="en-US" dirty="0"/>
-              <a:t> tutorial</a:t>
+              <a:t>matplotlib.pyplot tutorial</a:t>
             </a:r>
           </a:p>
         </p:txBody>
@@ -8235,12 +8231,8 @@
           <a:p>
             <a:pPr lvl="2"/>
             <a:r>
-              <a:rPr lang="en-US" sz="2400" dirty="0" err="1"/>
-              <a:t>eg</a:t>
-            </a:r>
-            <a:r>
               <a:rPr lang="en-US" sz="2400" dirty="0"/>
-              <a:t>: set figure size, figure title etc.</a:t>
+              <a:t>e.g.: set figure size, figure title etc.</a:t>
             </a:r>
           </a:p>
           <a:p>
@@ -8273,20 +8265,8 @@
           <a:p>
             <a:pPr lvl="2"/>
             <a:r>
-              <a:rPr lang="en-US" sz="2400" dirty="0" err="1"/>
-              <a:t>eg</a:t>
-            </a:r>
-            <a:r>
               <a:rPr lang="en-US" sz="2400" dirty="0"/>
-              <a:t>: plot, </a:t>
-            </a:r>
-            <a:r>
-              <a:rPr lang="en-US" sz="2400" dirty="0" err="1"/>
-              <a:t>hist</a:t>
-            </a:r>
-            <a:r>
-              <a:rPr lang="en-US" sz="2400" dirty="0"/>
-              <a:t>, scatter etc.</a:t>
+              <a:t>e.g.: plot, hist, scatter etc.</a:t>
             </a:r>
           </a:p>
         </p:txBody>
@@ -8348,10 +8328,9 @@
           <a:lstStyle/>
           <a:p>
             <a:r>
-              <a:rPr lang="en-US" dirty="0" err="1"/>
+              <a:rPr lang="en-US" dirty="0"/>
               <a:t>matplotlib.pyplot</a:t>
             </a:r>
-            <a:endParaRPr lang="en-US" dirty="0"/>
           </a:p>
         </p:txBody>
       </p:sp>
@@ -8391,13 +8370,8 @@
           <a:p>
             <a:r>
               <a:rPr lang="en-US" sz="2400" dirty="0"/>
-              <a:t>There is a concept of a “current Figure” when using </a:t>
-            </a:r>
-            <a:r>
-              <a:rPr lang="en-US" sz="2400" dirty="0" err="1"/>
-              <a:t>pyplot</a:t>
-            </a:r>
-            <a:endParaRPr lang="en-US" sz="2400" dirty="0"/>
+              <a:t>There is a concept of a “current Figure” when using pyplot</a:t>
+            </a:r>
           </a:p>
           <a:p>
             <a:r>
@@ -8405,7 +8379,7 @@
               <a:t>If you don't specify any Figure, </a:t>
             </a:r>
             <a:r>
-              <a:rPr lang="en-US" sz="2400" dirty="0" err="1"/>
+              <a:rPr lang="en-US" sz="2400" i="1" dirty="0" err="1"/>
               <a:t>plt</a:t>
             </a:r>
             <a:r>
@@ -8422,34 +8396,22 @@
           <a:p>
             <a:pPr lvl="1"/>
             <a:r>
-              <a:rPr lang="en-US" sz="2400" dirty="0" err="1"/>
-              <a:t>Eg</a:t>
-            </a:r>
-            <a:r>
               <a:rPr lang="en-US" sz="2400" dirty="0"/>
-              <a:t>: </a:t>
-            </a:r>
-            <a:r>
-              <a:rPr lang="en-US" sz="2400" dirty="0" err="1"/>
+              <a:t>e.g.: </a:t>
+            </a:r>
+            <a:r>
+              <a:rPr lang="en-US" sz="2400" i="1" dirty="0" err="1"/>
               <a:t>plt.plot</a:t>
             </a:r>
             <a:r>
+              <a:rPr lang="en-US" sz="2400" i="1" dirty="0"/>
+              <a:t>()</a:t>
+            </a:r>
+          </a:p>
+          <a:p>
+            <a:r>
               <a:rPr lang="en-US" sz="2400" dirty="0"/>
-              <a:t>()</a:t>
-            </a:r>
-          </a:p>
-          <a:p>
-            <a:r>
-              <a:rPr lang="en-US" sz="2400" dirty="0"/>
-              <a:t>Operations not supported by the </a:t>
-            </a:r>
-            <a:r>
-              <a:rPr lang="en-US" sz="2400" dirty="0" err="1"/>
-              <a:t>pyplot</a:t>
-            </a:r>
-            <a:r>
-              <a:rPr lang="en-US" sz="2400" dirty="0"/>
-              <a:t> interface</a:t>
+              <a:t>Operations not supported by the pyplot interface</a:t>
             </a:r>
           </a:p>
           <a:p>
@@ -8459,20 +8421,24 @@
               <a:t>Access the current Figure or the current Axes using </a:t>
             </a:r>
             <a:r>
-              <a:rPr lang="en-US" sz="2400" dirty="0" err="1"/>
-              <a:t>plt.gcf</a:t>
+              <a:rPr lang="en-US" sz="2400" i="1" dirty="0"/>
+              <a:t>plt.gcf()</a:t>
             </a:r>
             <a:r>
               <a:rPr lang="en-US" sz="2400" dirty="0"/>
-              <a:t>() and </a:t>
-            </a:r>
-            <a:r>
-              <a:rPr lang="en-US" sz="2400" dirty="0" err="1"/>
+              <a:t> and </a:t>
+            </a:r>
+            <a:r>
+              <a:rPr lang="en-US" sz="2400" i="1" dirty="0" err="1"/>
               <a:t>plt.gca</a:t>
             </a:r>
             <a:r>
+              <a:rPr lang="en-US" sz="2400" i="1" dirty="0"/>
+              <a:t>()</a:t>
+            </a:r>
+            <a:r>
               <a:rPr lang="en-US" sz="2400" dirty="0"/>
-              <a:t>() and operate on them</a:t>
+              <a:t> and operate on them</a:t>
             </a:r>
             <a:endParaRPr lang="en-IN" sz="2400" dirty="0"/>
           </a:p>

--- a/pyplot-tutorial.pptx
+++ b/pyplot-tutorial.pptx
@@ -8103,6 +8103,15 @@
               <a:rPr lang="en-US" sz="2800" dirty="0"/>
               <a:t>Nabeel Nasir</a:t>
             </a:r>
+          </a:p>
+          <a:p>
+            <a:r>
+              <a:rPr lang="en-IN" sz="2800" dirty="0">
+                <a:hlinkClick r:id="rId2"/>
+              </a:rPr>
+              <a:t>gitlab.com/nabeeln7/pyplot-tutorial</a:t>
+            </a:r>
+            <a:endParaRPr lang="en-US" sz="2800" dirty="0"/>
           </a:p>
         </p:txBody>
       </p:sp>
